--- a/board.pptx
+++ b/board.pptx
@@ -4896,6 +4896,88 @@
               </a:solidFill>
               <a:latin typeface="+mn-ea"/>
             </a:endParaRPr>
+          </a:p>
+        </p:txBody>
+      </p:sp>
+      <p:sp>
+        <p:nvSpPr>
+          <p:cNvPr id="34" name="TextBox 33">
+            <a:extLst>
+              <a:ext uri="{FF2B5EF4-FFF2-40B4-BE49-F238E27FC236}">
+                <a16:creationId xmlns:a16="http://schemas.microsoft.com/office/drawing/2014/main" id="{4EA4E596-6B18-C35A-A4B6-1A31367C85DA}"/>
+              </a:ext>
+            </a:extLst>
+          </p:cNvPr>
+          <p:cNvSpPr txBox="1"/>
+          <p:nvPr/>
+        </p:nvSpPr>
+        <p:spPr>
+          <a:xfrm>
+            <a:off x="5546635" y="6290913"/>
+            <a:ext cx="2388634" cy="707886"/>
+          </a:xfrm>
+          <a:prstGeom prst="rect">
+            <a:avLst/>
+          </a:prstGeom>
+          <a:noFill/>
+        </p:spPr>
+        <p:txBody>
+          <a:bodyPr wrap="square" rtlCol="0">
+            <a:spAutoFit/>
+          </a:bodyPr>
+          <a:lstStyle/>
+          <a:p>
+            <a:pPr algn="l"/>
+            <a:r>
+              <a:rPr lang="ko-KR" altLang="en-US" sz="4000" dirty="0">
+                <a:solidFill>
+                  <a:srgbClr val="000000"/>
+                </a:solidFill>
+                <a:latin typeface="+mn-ea"/>
+              </a:rPr>
+              <a:t>포워드</a:t>
+            </a:r>
+          </a:p>
+        </p:txBody>
+      </p:sp>
+      <p:sp>
+        <p:nvSpPr>
+          <p:cNvPr id="35" name="TextBox 34">
+            <a:extLst>
+              <a:ext uri="{FF2B5EF4-FFF2-40B4-BE49-F238E27FC236}">
+                <a16:creationId xmlns:a16="http://schemas.microsoft.com/office/drawing/2014/main" id="{5B21D2A3-47F0-3FBA-E06E-DDE22C5C62AA}"/>
+              </a:ext>
+            </a:extLst>
+          </p:cNvPr>
+          <p:cNvSpPr txBox="1"/>
+          <p:nvPr/>
+        </p:nvSpPr>
+        <p:spPr>
+          <a:xfrm>
+            <a:off x="2705007" y="3813869"/>
+            <a:ext cx="2388634" cy="707886"/>
+          </a:xfrm>
+          <a:prstGeom prst="rect">
+            <a:avLst/>
+          </a:prstGeom>
+          <a:noFill/>
+        </p:spPr>
+        <p:txBody>
+          <a:bodyPr wrap="square" rtlCol="0">
+            <a:spAutoFit/>
+          </a:bodyPr>
+          <a:lstStyle/>
+          <a:p>
+            <a:pPr algn="l"/>
+            <a:r>
+              <a:rPr lang="ko-KR" altLang="en-US" sz="4000" dirty="0">
+                <a:solidFill>
+                  <a:srgbClr val="000000"/>
+                </a:solidFill>
+                <a:latin typeface="+mn-ea"/>
+              </a:rPr>
+              <a:t>요청</a:t>
+            </a:r>
           </a:p>
         </p:txBody>
       </p:sp>
